--- a/assets/img/posts/etc/xss_xsrf.pptx
+++ b/assets/img/posts/etc/xss_xsrf.pptx
@@ -105,6 +105,22 @@
       </a:defRPr>
     </a:lvl9pPr>
   </p:defaultTextStyle>
+  <p:extLst>
+    <p:ext uri="{EFAFB233-063F-42B5-8137-9DF3F51BA10A}">
+      <p15:sldGuideLst xmlns:p15="http://schemas.microsoft.com/office/powerpoint/2012/main">
+        <p15:guide id="1" orient="horz" pos="2954" userDrawn="1">
+          <p15:clr>
+            <a:srgbClr val="A4A3A4"/>
+          </p15:clr>
+        </p15:guide>
+        <p15:guide id="2" pos="3840" userDrawn="1">
+          <p15:clr>
+            <a:srgbClr val="A4A3A4"/>
+          </p15:clr>
+        </p15:guide>
+      </p15:sldGuideLst>
+    </p:ext>
+  </p:extLst>
 </p:presentation>
 </file>
 
@@ -255,7 +271,7 @@
           <a:p>
             <a:fld id="{50A8B372-6B02-A544-87B6-AD634FA9AC56}" type="datetimeFigureOut">
               <a:rPr kumimoji="1" lang="ko-KR" altLang="en-US" smtClean="0"/>
-              <a:t>2021. 7. 25.</a:t>
+              <a:t>2021. 7. 28.</a:t>
             </a:fld>
             <a:endParaRPr kumimoji="1" lang="ko-KR" altLang="en-US"/>
           </a:p>
@@ -428,7 +444,7 @@
           <a:p>
             <a:fld id="{50A8B372-6B02-A544-87B6-AD634FA9AC56}" type="datetimeFigureOut">
               <a:rPr kumimoji="1" lang="ko-KR" altLang="en-US" smtClean="0"/>
-              <a:t>2021. 7. 25.</a:t>
+              <a:t>2021. 7. 28.</a:t>
             </a:fld>
             <a:endParaRPr kumimoji="1" lang="ko-KR" altLang="en-US"/>
           </a:p>
@@ -611,7 +627,7 @@
           <a:p>
             <a:fld id="{50A8B372-6B02-A544-87B6-AD634FA9AC56}" type="datetimeFigureOut">
               <a:rPr kumimoji="1" lang="ko-KR" altLang="en-US" smtClean="0"/>
-              <a:t>2021. 7. 25.</a:t>
+              <a:t>2021. 7. 28.</a:t>
             </a:fld>
             <a:endParaRPr kumimoji="1" lang="ko-KR" altLang="en-US"/>
           </a:p>
@@ -784,7 +800,7 @@
           <a:p>
             <a:fld id="{50A8B372-6B02-A544-87B6-AD634FA9AC56}" type="datetimeFigureOut">
               <a:rPr kumimoji="1" lang="ko-KR" altLang="en-US" smtClean="0"/>
-              <a:t>2021. 7. 25.</a:t>
+              <a:t>2021. 7. 28.</a:t>
             </a:fld>
             <a:endParaRPr kumimoji="1" lang="ko-KR" altLang="en-US"/>
           </a:p>
@@ -1062,7 +1078,7 @@
           <a:p>
             <a:fld id="{50A8B372-6B02-A544-87B6-AD634FA9AC56}" type="datetimeFigureOut">
               <a:rPr kumimoji="1" lang="ko-KR" altLang="en-US" smtClean="0"/>
-              <a:t>2021. 7. 25.</a:t>
+              <a:t>2021. 7. 28.</a:t>
             </a:fld>
             <a:endParaRPr kumimoji="1" lang="ko-KR" altLang="en-US"/>
           </a:p>
@@ -1277,7 +1293,7 @@
           <a:p>
             <a:fld id="{50A8B372-6B02-A544-87B6-AD634FA9AC56}" type="datetimeFigureOut">
               <a:rPr kumimoji="1" lang="ko-KR" altLang="en-US" smtClean="0"/>
-              <a:t>2021. 7. 25.</a:t>
+              <a:t>2021. 7. 28.</a:t>
             </a:fld>
             <a:endParaRPr kumimoji="1" lang="ko-KR" altLang="en-US"/>
           </a:p>
@@ -1645,7 +1661,7 @@
           <a:p>
             <a:fld id="{50A8B372-6B02-A544-87B6-AD634FA9AC56}" type="datetimeFigureOut">
               <a:rPr kumimoji="1" lang="ko-KR" altLang="en-US" smtClean="0"/>
-              <a:t>2021. 7. 25.</a:t>
+              <a:t>2021. 7. 28.</a:t>
             </a:fld>
             <a:endParaRPr kumimoji="1" lang="ko-KR" altLang="en-US"/>
           </a:p>
@@ -1786,7 +1802,7 @@
           <a:p>
             <a:fld id="{50A8B372-6B02-A544-87B6-AD634FA9AC56}" type="datetimeFigureOut">
               <a:rPr kumimoji="1" lang="ko-KR" altLang="en-US" smtClean="0"/>
-              <a:t>2021. 7. 25.</a:t>
+              <a:t>2021. 7. 28.</a:t>
             </a:fld>
             <a:endParaRPr kumimoji="1" lang="ko-KR" altLang="en-US"/>
           </a:p>
@@ -1899,7 +1915,7 @@
           <a:p>
             <a:fld id="{50A8B372-6B02-A544-87B6-AD634FA9AC56}" type="datetimeFigureOut">
               <a:rPr kumimoji="1" lang="ko-KR" altLang="en-US" smtClean="0"/>
-              <a:t>2021. 7. 25.</a:t>
+              <a:t>2021. 7. 28.</a:t>
             </a:fld>
             <a:endParaRPr kumimoji="1" lang="ko-KR" altLang="en-US"/>
           </a:p>
@@ -2188,7 +2204,7 @@
           <a:p>
             <a:fld id="{50A8B372-6B02-A544-87B6-AD634FA9AC56}" type="datetimeFigureOut">
               <a:rPr kumimoji="1" lang="ko-KR" altLang="en-US" smtClean="0"/>
-              <a:t>2021. 7. 25.</a:t>
+              <a:t>2021. 7. 28.</a:t>
             </a:fld>
             <a:endParaRPr kumimoji="1" lang="ko-KR" altLang="en-US"/>
           </a:p>
@@ -2479,7 +2495,7 @@
           <a:p>
             <a:fld id="{50A8B372-6B02-A544-87B6-AD634FA9AC56}" type="datetimeFigureOut">
               <a:rPr kumimoji="1" lang="ko-KR" altLang="en-US" smtClean="0"/>
-              <a:t>2021. 7. 25.</a:t>
+              <a:t>2021. 7. 28.</a:t>
             </a:fld>
             <a:endParaRPr kumimoji="1" lang="ko-KR" altLang="en-US"/>
           </a:p>
@@ -2695,7 +2711,7 @@
           <a:p>
             <a:fld id="{50A8B372-6B02-A544-87B6-AD634FA9AC56}" type="datetimeFigureOut">
               <a:rPr kumimoji="1" lang="ko-KR" altLang="en-US" smtClean="0"/>
-              <a:t>2021. 7. 25.</a:t>
+              <a:t>2021. 7. 28.</a:t>
             </a:fld>
             <a:endParaRPr kumimoji="1" lang="ko-KR" altLang="en-US"/>
           </a:p>
@@ -3252,10 +3268,1060 @@
           <a:chExt cx="0" cy="0"/>
         </a:xfrm>
       </p:grpSpPr>
+      <p:grpSp>
+        <p:nvGrpSpPr>
+          <p:cNvPr id="28" name="그룹 27">
+            <a:extLst>
+              <a:ext uri="{FF2B5EF4-FFF2-40B4-BE49-F238E27FC236}">
+                <a16:creationId xmlns:a16="http://schemas.microsoft.com/office/drawing/2014/main" id="{0C7609C1-CB7D-C54E-A754-C636D65482C8}"/>
+              </a:ext>
+            </a:extLst>
+          </p:cNvPr>
+          <p:cNvGrpSpPr/>
+          <p:nvPr/>
+        </p:nvGrpSpPr>
+        <p:grpSpPr>
+          <a:xfrm>
+            <a:off x="3905572" y="968563"/>
+            <a:ext cx="4646249" cy="3720912"/>
+            <a:chOff x="3905572" y="968563"/>
+            <a:chExt cx="4646249" cy="3720912"/>
+          </a:xfrm>
+        </p:grpSpPr>
+        <p:sp>
+          <p:nvSpPr>
+            <p:cNvPr id="32" name="직사각형 31">
+              <a:extLst>
+                <a:ext uri="{FF2B5EF4-FFF2-40B4-BE49-F238E27FC236}">
+                  <a16:creationId xmlns:a16="http://schemas.microsoft.com/office/drawing/2014/main" id="{B61DE1E7-57E2-EE41-BE14-404464B97E4D}"/>
+                </a:ext>
+              </a:extLst>
+            </p:cNvPr>
+            <p:cNvSpPr/>
+            <p:nvPr/>
+          </p:nvSpPr>
+          <p:spPr>
+            <a:xfrm>
+              <a:off x="3955551" y="1534776"/>
+              <a:ext cx="2456769" cy="935947"/>
+            </a:xfrm>
+            <a:prstGeom prst="rect">
+              <a:avLst/>
+            </a:prstGeom>
+            <a:solidFill>
+              <a:schemeClr val="accent6">
+                <a:alpha val="40000"/>
+              </a:schemeClr>
+            </a:solidFill>
+            <a:ln>
+              <a:noFill/>
+            </a:ln>
+          </p:spPr>
+          <p:style>
+            <a:lnRef idx="2">
+              <a:schemeClr val="accent1">
+                <a:shade val="50000"/>
+              </a:schemeClr>
+            </a:lnRef>
+            <a:fillRef idx="1">
+              <a:schemeClr val="accent1"/>
+            </a:fillRef>
+            <a:effectRef idx="0">
+              <a:schemeClr val="accent1"/>
+            </a:effectRef>
+            <a:fontRef idx="minor">
+              <a:schemeClr val="lt1"/>
+            </a:fontRef>
+          </p:style>
+          <p:txBody>
+            <a:bodyPr rtlCol="0" anchor="ctr"/>
+            <a:lstStyle/>
+            <a:p>
+              <a:pPr algn="ctr"/>
+              <a:endParaRPr kumimoji="1" lang="ko-KR" altLang="en-US"/>
+            </a:p>
+          </p:txBody>
+        </p:sp>
+        <p:sp>
+          <p:nvSpPr>
+            <p:cNvPr id="34" name="직사각형 33">
+              <a:extLst>
+                <a:ext uri="{FF2B5EF4-FFF2-40B4-BE49-F238E27FC236}">
+                  <a16:creationId xmlns:a16="http://schemas.microsoft.com/office/drawing/2014/main" id="{B7F7ACBC-F4F1-B74D-963B-3B43B9B2F954}"/>
+                </a:ext>
+              </a:extLst>
+            </p:cNvPr>
+            <p:cNvSpPr/>
+            <p:nvPr/>
+          </p:nvSpPr>
+          <p:spPr>
+            <a:xfrm>
+              <a:off x="3953102" y="2854423"/>
+              <a:ext cx="4317595" cy="507819"/>
+            </a:xfrm>
+            <a:prstGeom prst="rect">
+              <a:avLst/>
+            </a:prstGeom>
+            <a:solidFill>
+              <a:schemeClr val="accent4">
+                <a:alpha val="40000"/>
+              </a:schemeClr>
+            </a:solidFill>
+            <a:ln>
+              <a:noFill/>
+            </a:ln>
+          </p:spPr>
+          <p:style>
+            <a:lnRef idx="2">
+              <a:schemeClr val="accent1">
+                <a:shade val="50000"/>
+              </a:schemeClr>
+            </a:lnRef>
+            <a:fillRef idx="1">
+              <a:schemeClr val="accent1"/>
+            </a:fillRef>
+            <a:effectRef idx="0">
+              <a:schemeClr val="accent1"/>
+            </a:effectRef>
+            <a:fontRef idx="minor">
+              <a:schemeClr val="lt1"/>
+            </a:fontRef>
+          </p:style>
+          <p:txBody>
+            <a:bodyPr rtlCol="0" anchor="ctr"/>
+            <a:lstStyle/>
+            <a:p>
+              <a:pPr algn="ctr"/>
+              <a:endParaRPr kumimoji="1" lang="ko-KR" altLang="en-US"/>
+            </a:p>
+          </p:txBody>
+        </p:sp>
+        <p:sp>
+          <p:nvSpPr>
+            <p:cNvPr id="36" name="직사각형 35">
+              <a:extLst>
+                <a:ext uri="{FF2B5EF4-FFF2-40B4-BE49-F238E27FC236}">
+                  <a16:creationId xmlns:a16="http://schemas.microsoft.com/office/drawing/2014/main" id="{7EEBFE35-B630-0445-BB50-F1C7F5076A2D}"/>
+                </a:ext>
+              </a:extLst>
+            </p:cNvPr>
+            <p:cNvSpPr/>
+            <p:nvPr/>
+          </p:nvSpPr>
+          <p:spPr>
+            <a:xfrm>
+              <a:off x="5774076" y="3717043"/>
+              <a:ext cx="2496621" cy="880897"/>
+            </a:xfrm>
+            <a:prstGeom prst="rect">
+              <a:avLst/>
+            </a:prstGeom>
+            <a:solidFill>
+              <a:schemeClr val="accent2">
+                <a:alpha val="40000"/>
+              </a:schemeClr>
+            </a:solidFill>
+            <a:ln>
+              <a:noFill/>
+            </a:ln>
+          </p:spPr>
+          <p:style>
+            <a:lnRef idx="2">
+              <a:schemeClr val="accent1">
+                <a:shade val="50000"/>
+              </a:schemeClr>
+            </a:lnRef>
+            <a:fillRef idx="1">
+              <a:schemeClr val="accent1"/>
+            </a:fillRef>
+            <a:effectRef idx="0">
+              <a:schemeClr val="accent1"/>
+            </a:effectRef>
+            <a:fontRef idx="minor">
+              <a:schemeClr val="lt1"/>
+            </a:fontRef>
+          </p:style>
+          <p:txBody>
+            <a:bodyPr rtlCol="0" anchor="ctr"/>
+            <a:lstStyle/>
+            <a:p>
+              <a:pPr algn="ctr"/>
+              <a:endParaRPr kumimoji="1" lang="ko-KR" altLang="en-US"/>
+            </a:p>
+          </p:txBody>
+        </p:sp>
+        <p:cxnSp>
+          <p:nvCxnSpPr>
+            <p:cNvPr id="5" name="직선 연결선[R] 4">
+              <a:extLst>
+                <a:ext uri="{FF2B5EF4-FFF2-40B4-BE49-F238E27FC236}">
+                  <a16:creationId xmlns:a16="http://schemas.microsoft.com/office/drawing/2014/main" id="{3A622194-B2C4-E74E-BA72-90342EB0A3DF}"/>
+                </a:ext>
+              </a:extLst>
+            </p:cNvPr>
+            <p:cNvCxnSpPr>
+              <a:cxnSpLocks/>
+            </p:cNvCxnSpPr>
+            <p:nvPr/>
+          </p:nvCxnSpPr>
+          <p:spPr>
+            <a:xfrm>
+              <a:off x="4262254" y="1230458"/>
+              <a:ext cx="0" cy="3459017"/>
+            </a:xfrm>
+            <a:prstGeom prst="line">
+              <a:avLst/>
+            </a:prstGeom>
+            <a:ln w="38100">
+              <a:solidFill>
+                <a:schemeClr val="tx1"/>
+              </a:solidFill>
+            </a:ln>
+          </p:spPr>
+          <p:style>
+            <a:lnRef idx="1">
+              <a:schemeClr val="accent1"/>
+            </a:lnRef>
+            <a:fillRef idx="0">
+              <a:schemeClr val="accent1"/>
+            </a:fillRef>
+            <a:effectRef idx="0">
+              <a:schemeClr val="accent1"/>
+            </a:effectRef>
+            <a:fontRef idx="minor">
+              <a:schemeClr val="tx1"/>
+            </a:fontRef>
+          </p:style>
+        </p:cxnSp>
+        <p:cxnSp>
+          <p:nvCxnSpPr>
+            <p:cNvPr id="8" name="직선 연결선[R] 7">
+              <a:extLst>
+                <a:ext uri="{FF2B5EF4-FFF2-40B4-BE49-F238E27FC236}">
+                  <a16:creationId xmlns:a16="http://schemas.microsoft.com/office/drawing/2014/main" id="{670CF326-91DB-824F-931D-8CC688E8264F}"/>
+                </a:ext>
+              </a:extLst>
+            </p:cNvPr>
+            <p:cNvCxnSpPr>
+              <a:cxnSpLocks/>
+            </p:cNvCxnSpPr>
+            <p:nvPr/>
+          </p:nvCxnSpPr>
+          <p:spPr>
+            <a:xfrm>
+              <a:off x="6112642" y="1230458"/>
+              <a:ext cx="12192" cy="3459017"/>
+            </a:xfrm>
+            <a:prstGeom prst="line">
+              <a:avLst/>
+            </a:prstGeom>
+            <a:ln w="38100">
+              <a:solidFill>
+                <a:schemeClr val="tx1"/>
+              </a:solidFill>
+            </a:ln>
+          </p:spPr>
+          <p:style>
+            <a:lnRef idx="1">
+              <a:schemeClr val="accent1"/>
+            </a:lnRef>
+            <a:fillRef idx="0">
+              <a:schemeClr val="accent1"/>
+            </a:fillRef>
+            <a:effectRef idx="0">
+              <a:schemeClr val="accent1"/>
+            </a:effectRef>
+            <a:fontRef idx="minor">
+              <a:schemeClr val="tx1"/>
+            </a:fontRef>
+          </p:style>
+        </p:cxnSp>
+        <p:cxnSp>
+          <p:nvCxnSpPr>
+            <p:cNvPr id="9" name="직선 연결선[R] 8">
+              <a:extLst>
+                <a:ext uri="{FF2B5EF4-FFF2-40B4-BE49-F238E27FC236}">
+                  <a16:creationId xmlns:a16="http://schemas.microsoft.com/office/drawing/2014/main" id="{6111548F-B4FC-5443-90E6-500A48DA23C5}"/>
+                </a:ext>
+              </a:extLst>
+            </p:cNvPr>
+            <p:cNvCxnSpPr>
+              <a:cxnSpLocks/>
+            </p:cNvCxnSpPr>
+            <p:nvPr/>
+          </p:nvCxnSpPr>
+          <p:spPr>
+            <a:xfrm>
+              <a:off x="7972966" y="1230458"/>
+              <a:ext cx="0" cy="3459017"/>
+            </a:xfrm>
+            <a:prstGeom prst="line">
+              <a:avLst/>
+            </a:prstGeom>
+            <a:ln w="38100">
+              <a:solidFill>
+                <a:schemeClr val="tx1"/>
+              </a:solidFill>
+            </a:ln>
+          </p:spPr>
+          <p:style>
+            <a:lnRef idx="1">
+              <a:schemeClr val="accent1"/>
+            </a:lnRef>
+            <a:fillRef idx="0">
+              <a:schemeClr val="accent1"/>
+            </a:fillRef>
+            <a:effectRef idx="0">
+              <a:schemeClr val="accent1"/>
+            </a:effectRef>
+            <a:fontRef idx="minor">
+              <a:schemeClr val="tx1"/>
+            </a:fontRef>
+          </p:style>
+        </p:cxnSp>
+        <p:sp>
+          <p:nvSpPr>
+            <p:cNvPr id="10" name="TextBox 9">
+              <a:extLst>
+                <a:ext uri="{FF2B5EF4-FFF2-40B4-BE49-F238E27FC236}">
+                  <a16:creationId xmlns:a16="http://schemas.microsoft.com/office/drawing/2014/main" id="{5D4794EE-3FE0-534C-AB3B-FE31572430F4}"/>
+                </a:ext>
+              </a:extLst>
+            </p:cNvPr>
+            <p:cNvSpPr txBox="1"/>
+            <p:nvPr/>
+          </p:nvSpPr>
+          <p:spPr>
+            <a:xfrm>
+              <a:off x="3905572" y="968563"/>
+              <a:ext cx="723275" cy="307777"/>
+            </a:xfrm>
+            <a:prstGeom prst="rect">
+              <a:avLst/>
+            </a:prstGeom>
+            <a:noFill/>
+          </p:spPr>
+          <p:txBody>
+            <a:bodyPr wrap="none" rtlCol="0">
+              <a:spAutoFit/>
+            </a:bodyPr>
+            <a:lstStyle/>
+            <a:p>
+              <a:r>
+                <a:rPr kumimoji="1" lang="ko-KR" altLang="en-US" sz="1400" dirty="0"/>
+                <a:t>사용자</a:t>
+              </a:r>
+            </a:p>
+          </p:txBody>
+        </p:sp>
+        <p:sp>
+          <p:nvSpPr>
+            <p:cNvPr id="11" name="TextBox 10">
+              <a:extLst>
+                <a:ext uri="{FF2B5EF4-FFF2-40B4-BE49-F238E27FC236}">
+                  <a16:creationId xmlns:a16="http://schemas.microsoft.com/office/drawing/2014/main" id="{127CDA7E-FEF6-9349-AC6C-CEAAFE9E0E8A}"/>
+                </a:ext>
+              </a:extLst>
+            </p:cNvPr>
+            <p:cNvSpPr txBox="1"/>
+            <p:nvPr/>
+          </p:nvSpPr>
+          <p:spPr>
+            <a:xfrm>
+              <a:off x="5442088" y="971968"/>
+              <a:ext cx="1348446" cy="307777"/>
+            </a:xfrm>
+            <a:prstGeom prst="rect">
+              <a:avLst/>
+            </a:prstGeom>
+            <a:noFill/>
+          </p:spPr>
+          <p:txBody>
+            <a:bodyPr wrap="none" rtlCol="0">
+              <a:spAutoFit/>
+            </a:bodyPr>
+            <a:lstStyle/>
+            <a:p>
+              <a:r>
+                <a:rPr kumimoji="1" lang="en-US" altLang="ko-KR" sz="1400" dirty="0" err="1"/>
+                <a:t>Geocities</a:t>
+              </a:r>
+              <a:r>
+                <a:rPr kumimoji="1" lang="en-US" altLang="ko-KR" sz="1400" dirty="0"/>
+                <a:t> </a:t>
+              </a:r>
+              <a:r>
+                <a:rPr kumimoji="1" lang="ko-KR" altLang="en-US" sz="1400" dirty="0"/>
+                <a:t>서버</a:t>
+              </a:r>
+            </a:p>
+          </p:txBody>
+        </p:sp>
+        <p:sp>
+          <p:nvSpPr>
+            <p:cNvPr id="12" name="TextBox 11">
+              <a:extLst>
+                <a:ext uri="{FF2B5EF4-FFF2-40B4-BE49-F238E27FC236}">
+                  <a16:creationId xmlns:a16="http://schemas.microsoft.com/office/drawing/2014/main" id="{779A846C-91FA-384F-9142-80C0B2C354ED}"/>
+                </a:ext>
+              </a:extLst>
+            </p:cNvPr>
+            <p:cNvSpPr txBox="1"/>
+            <p:nvPr/>
+          </p:nvSpPr>
+          <p:spPr>
+            <a:xfrm>
+              <a:off x="7406956" y="976358"/>
+              <a:ext cx="1144865" cy="307777"/>
+            </a:xfrm>
+            <a:prstGeom prst="rect">
+              <a:avLst/>
+            </a:prstGeom>
+            <a:noFill/>
+          </p:spPr>
+          <p:txBody>
+            <a:bodyPr wrap="none" rtlCol="0">
+              <a:spAutoFit/>
+            </a:bodyPr>
+            <a:lstStyle/>
+            <a:p>
+              <a:r>
+                <a:rPr kumimoji="1" lang="ko-KR" altLang="en-US" sz="1400" dirty="0"/>
+                <a:t>피싱 페이지</a:t>
+              </a:r>
+            </a:p>
+          </p:txBody>
+        </p:sp>
+        <p:cxnSp>
+          <p:nvCxnSpPr>
+            <p:cNvPr id="14" name="직선 화살표 연결선 13">
+              <a:extLst>
+                <a:ext uri="{FF2B5EF4-FFF2-40B4-BE49-F238E27FC236}">
+                  <a16:creationId xmlns:a16="http://schemas.microsoft.com/office/drawing/2014/main" id="{4BC8FFE7-96DE-2043-A164-2C960F883F76}"/>
+                </a:ext>
+              </a:extLst>
+            </p:cNvPr>
+            <p:cNvCxnSpPr/>
+            <p:nvPr/>
+          </p:nvCxnSpPr>
+          <p:spPr>
+            <a:xfrm>
+              <a:off x="4281114" y="1904645"/>
+              <a:ext cx="1814886" cy="0"/>
+            </a:xfrm>
+            <a:prstGeom prst="straightConnector1">
+              <a:avLst/>
+            </a:prstGeom>
+            <a:ln w="38100">
+              <a:tailEnd type="triangle"/>
+            </a:ln>
+          </p:spPr>
+          <p:style>
+            <a:lnRef idx="1">
+              <a:schemeClr val="accent1"/>
+            </a:lnRef>
+            <a:fillRef idx="0">
+              <a:schemeClr val="accent1"/>
+            </a:fillRef>
+            <a:effectRef idx="0">
+              <a:schemeClr val="accent1"/>
+            </a:effectRef>
+            <a:fontRef idx="minor">
+              <a:schemeClr val="tx1"/>
+            </a:fontRef>
+          </p:style>
+        </p:cxnSp>
+        <p:sp>
+          <p:nvSpPr>
+            <p:cNvPr id="15" name="TextBox 14">
+              <a:extLst>
+                <a:ext uri="{FF2B5EF4-FFF2-40B4-BE49-F238E27FC236}">
+                  <a16:creationId xmlns:a16="http://schemas.microsoft.com/office/drawing/2014/main" id="{8E6F899B-A000-6740-96E3-CE41E0B35D69}"/>
+                </a:ext>
+              </a:extLst>
+            </p:cNvPr>
+            <p:cNvSpPr txBox="1"/>
+            <p:nvPr/>
+          </p:nvSpPr>
+          <p:spPr>
+            <a:xfrm>
+              <a:off x="4684621" y="1627646"/>
+              <a:ext cx="1008609" cy="276999"/>
+            </a:xfrm>
+            <a:prstGeom prst="rect">
+              <a:avLst/>
+            </a:prstGeom>
+            <a:noFill/>
+          </p:spPr>
+          <p:txBody>
+            <a:bodyPr wrap="none" rtlCol="0">
+              <a:spAutoFit/>
+            </a:bodyPr>
+            <a:lstStyle/>
+            <a:p>
+              <a:r>
+                <a:rPr kumimoji="1" lang="ko-KR" altLang="en-US" sz="1200" dirty="0"/>
+                <a:t>로그인 요청</a:t>
+              </a:r>
+            </a:p>
+          </p:txBody>
+        </p:sp>
+        <p:cxnSp>
+          <p:nvCxnSpPr>
+            <p:cNvPr id="16" name="직선 화살표 연결선 15">
+              <a:extLst>
+                <a:ext uri="{FF2B5EF4-FFF2-40B4-BE49-F238E27FC236}">
+                  <a16:creationId xmlns:a16="http://schemas.microsoft.com/office/drawing/2014/main" id="{245FDD13-244B-5541-B3CF-A69542ABC09A}"/>
+                </a:ext>
+              </a:extLst>
+            </p:cNvPr>
+            <p:cNvCxnSpPr/>
+            <p:nvPr/>
+          </p:nvCxnSpPr>
+          <p:spPr>
+            <a:xfrm>
+              <a:off x="4281114" y="2317442"/>
+              <a:ext cx="1814886" cy="0"/>
+            </a:xfrm>
+            <a:prstGeom prst="straightConnector1">
+              <a:avLst/>
+            </a:prstGeom>
+            <a:ln w="38100">
+              <a:headEnd type="triangle"/>
+              <a:tailEnd type="none"/>
+            </a:ln>
+          </p:spPr>
+          <p:style>
+            <a:lnRef idx="1">
+              <a:schemeClr val="accent1"/>
+            </a:lnRef>
+            <a:fillRef idx="0">
+              <a:schemeClr val="accent1"/>
+            </a:fillRef>
+            <a:effectRef idx="0">
+              <a:schemeClr val="accent1"/>
+            </a:effectRef>
+            <a:fontRef idx="minor">
+              <a:schemeClr val="tx1"/>
+            </a:fontRef>
+          </p:style>
+        </p:cxnSp>
+        <p:sp>
+          <p:nvSpPr>
+            <p:cNvPr id="17" name="TextBox 16">
+              <a:extLst>
+                <a:ext uri="{FF2B5EF4-FFF2-40B4-BE49-F238E27FC236}">
+                  <a16:creationId xmlns:a16="http://schemas.microsoft.com/office/drawing/2014/main" id="{0C654F46-1E41-6440-BA27-7E45B7CBC9BB}"/>
+                </a:ext>
+              </a:extLst>
+            </p:cNvPr>
+            <p:cNvSpPr txBox="1"/>
+            <p:nvPr/>
+          </p:nvSpPr>
+          <p:spPr>
+            <a:xfrm>
+              <a:off x="4503481" y="2040443"/>
+              <a:ext cx="1370888" cy="276999"/>
+            </a:xfrm>
+            <a:prstGeom prst="rect">
+              <a:avLst/>
+            </a:prstGeom>
+            <a:noFill/>
+          </p:spPr>
+          <p:txBody>
+            <a:bodyPr wrap="none" rtlCol="0">
+              <a:spAutoFit/>
+            </a:bodyPr>
+            <a:lstStyle/>
+            <a:p>
+              <a:r>
+                <a:rPr kumimoji="1" lang="ko-KR" altLang="en-US" sz="1200" dirty="0"/>
+                <a:t>로그인 쿠키 전송</a:t>
+              </a:r>
+            </a:p>
+          </p:txBody>
+        </p:sp>
+        <p:cxnSp>
+          <p:nvCxnSpPr>
+            <p:cNvPr id="18" name="직선 화살표 연결선 17">
+              <a:extLst>
+                <a:ext uri="{FF2B5EF4-FFF2-40B4-BE49-F238E27FC236}">
+                  <a16:creationId xmlns:a16="http://schemas.microsoft.com/office/drawing/2014/main" id="{E4BFCF80-B508-D947-B94F-3CC285DF1318}"/>
+                </a:ext>
+              </a:extLst>
+            </p:cNvPr>
+            <p:cNvCxnSpPr>
+              <a:cxnSpLocks/>
+            </p:cNvCxnSpPr>
+            <p:nvPr/>
+          </p:nvCxnSpPr>
+          <p:spPr>
+            <a:xfrm>
+              <a:off x="4281114" y="3216676"/>
+              <a:ext cx="3670395" cy="0"/>
+            </a:xfrm>
+            <a:prstGeom prst="straightConnector1">
+              <a:avLst/>
+            </a:prstGeom>
+            <a:ln w="38100">
+              <a:tailEnd type="triangle"/>
+            </a:ln>
+          </p:spPr>
+          <p:style>
+            <a:lnRef idx="1">
+              <a:schemeClr val="accent1"/>
+            </a:lnRef>
+            <a:fillRef idx="0">
+              <a:schemeClr val="accent1"/>
+            </a:fillRef>
+            <a:effectRef idx="0">
+              <a:schemeClr val="accent1"/>
+            </a:effectRef>
+            <a:fontRef idx="minor">
+              <a:schemeClr val="tx1"/>
+            </a:fontRef>
+          </p:style>
+        </p:cxnSp>
+        <p:sp>
+          <p:nvSpPr>
+            <p:cNvPr id="19" name="TextBox 18">
+              <a:extLst>
+                <a:ext uri="{FF2B5EF4-FFF2-40B4-BE49-F238E27FC236}">
+                  <a16:creationId xmlns:a16="http://schemas.microsoft.com/office/drawing/2014/main" id="{7DCCE182-BC0B-6F4A-84E8-6159869BE49F}"/>
+                </a:ext>
+              </a:extLst>
+            </p:cNvPr>
+            <p:cNvSpPr txBox="1"/>
+            <p:nvPr/>
+          </p:nvSpPr>
+          <p:spPr>
+            <a:xfrm>
+              <a:off x="6166722" y="2939677"/>
+              <a:ext cx="1724712" cy="276999"/>
+            </a:xfrm>
+            <a:prstGeom prst="rect">
+              <a:avLst/>
+            </a:prstGeom>
+            <a:noFill/>
+          </p:spPr>
+          <p:txBody>
+            <a:bodyPr wrap="square" rtlCol="0">
+              <a:spAutoFit/>
+            </a:bodyPr>
+            <a:lstStyle/>
+            <a:p>
+              <a:r>
+                <a:rPr kumimoji="1" lang="ko-KR" altLang="en-US" sz="1200" dirty="0"/>
+                <a:t>페이지 이동</a:t>
+              </a:r>
+              <a:r>
+                <a:rPr kumimoji="1" lang="en-US" altLang="ko-KR" sz="1200" dirty="0"/>
+                <a:t>(</a:t>
+              </a:r>
+              <a:r>
+                <a:rPr kumimoji="1" lang="ko-KR" altLang="en-US" sz="1200" dirty="0"/>
+                <a:t>쿠키 포함</a:t>
+              </a:r>
+              <a:r>
+                <a:rPr kumimoji="1" lang="en-US" altLang="ko-KR" sz="1200" dirty="0"/>
+                <a:t>)</a:t>
+              </a:r>
+              <a:endParaRPr kumimoji="1" lang="ko-KR" altLang="en-US" sz="1200" dirty="0"/>
+            </a:p>
+          </p:txBody>
+        </p:sp>
+        <p:cxnSp>
+          <p:nvCxnSpPr>
+            <p:cNvPr id="21" name="직선 화살표 연결선 20">
+              <a:extLst>
+                <a:ext uri="{FF2B5EF4-FFF2-40B4-BE49-F238E27FC236}">
+                  <a16:creationId xmlns:a16="http://schemas.microsoft.com/office/drawing/2014/main" id="{6270ECBF-EE6C-2342-926B-F8EF06D43ADF}"/>
+                </a:ext>
+              </a:extLst>
+            </p:cNvPr>
+            <p:cNvCxnSpPr/>
+            <p:nvPr/>
+          </p:nvCxnSpPr>
+          <p:spPr>
+            <a:xfrm>
+              <a:off x="6136623" y="4059195"/>
+              <a:ext cx="1814886" cy="0"/>
+            </a:xfrm>
+            <a:prstGeom prst="straightConnector1">
+              <a:avLst/>
+            </a:prstGeom>
+            <a:ln w="38100">
+              <a:headEnd type="triangle"/>
+              <a:tailEnd type="none"/>
+            </a:ln>
+          </p:spPr>
+          <p:style>
+            <a:lnRef idx="1">
+              <a:schemeClr val="accent1"/>
+            </a:lnRef>
+            <a:fillRef idx="0">
+              <a:schemeClr val="accent1"/>
+            </a:fillRef>
+            <a:effectRef idx="0">
+              <a:schemeClr val="accent1"/>
+            </a:effectRef>
+            <a:fontRef idx="minor">
+              <a:schemeClr val="tx1"/>
+            </a:fontRef>
+          </p:style>
+        </p:cxnSp>
+        <p:sp>
+          <p:nvSpPr>
+            <p:cNvPr id="22" name="TextBox 21">
+              <a:extLst>
+                <a:ext uri="{FF2B5EF4-FFF2-40B4-BE49-F238E27FC236}">
+                  <a16:creationId xmlns:a16="http://schemas.microsoft.com/office/drawing/2014/main" id="{D87F4E02-D285-DF48-9568-031253B7D6A1}"/>
+                </a:ext>
+              </a:extLst>
+            </p:cNvPr>
+            <p:cNvSpPr txBox="1"/>
+            <p:nvPr/>
+          </p:nvSpPr>
+          <p:spPr>
+            <a:xfrm>
+              <a:off x="6109629" y="3782196"/>
+              <a:ext cx="1903085" cy="276999"/>
+            </a:xfrm>
+            <a:prstGeom prst="rect">
+              <a:avLst/>
+            </a:prstGeom>
+            <a:noFill/>
+          </p:spPr>
+          <p:txBody>
+            <a:bodyPr wrap="none" rtlCol="0">
+              <a:spAutoFit/>
+            </a:bodyPr>
+            <a:lstStyle/>
+            <a:p>
+              <a:r>
+                <a:rPr kumimoji="1" lang="ko-KR" altLang="en-US" sz="1200" dirty="0"/>
+                <a:t>위조 </a:t>
+              </a:r>
+              <a:r>
+                <a:rPr kumimoji="1" lang="en-US" altLang="ko-KR" sz="1200" dirty="0"/>
+                <a:t>API </a:t>
+              </a:r>
+              <a:r>
+                <a:rPr kumimoji="1" lang="ko-KR" altLang="en-US" sz="1200" dirty="0"/>
+                <a:t>호출</a:t>
+              </a:r>
+              <a:r>
+                <a:rPr kumimoji="1" lang="en-US" altLang="ko-KR" sz="1200" dirty="0"/>
+                <a:t>(</a:t>
+              </a:r>
+              <a:r>
+                <a:rPr kumimoji="1" lang="ko-KR" altLang="en-US" sz="1200" dirty="0"/>
+                <a:t>쿠키 포함</a:t>
+              </a:r>
+              <a:r>
+                <a:rPr kumimoji="1" lang="en-US" altLang="ko-KR" sz="1200" dirty="0"/>
+                <a:t>)</a:t>
+              </a:r>
+              <a:endParaRPr kumimoji="1" lang="ko-KR" altLang="en-US" sz="1200" dirty="0"/>
+            </a:p>
+          </p:txBody>
+        </p:sp>
+        <p:cxnSp>
+          <p:nvCxnSpPr>
+            <p:cNvPr id="30" name="직선 화살표 연결선 29">
+              <a:extLst>
+                <a:ext uri="{FF2B5EF4-FFF2-40B4-BE49-F238E27FC236}">
+                  <a16:creationId xmlns:a16="http://schemas.microsoft.com/office/drawing/2014/main" id="{14263329-3BE7-C74C-9F98-D173267F79F9}"/>
+                </a:ext>
+              </a:extLst>
+            </p:cNvPr>
+            <p:cNvCxnSpPr/>
+            <p:nvPr/>
+          </p:nvCxnSpPr>
+          <p:spPr>
+            <a:xfrm>
+              <a:off x="6144984" y="4455865"/>
+              <a:ext cx="1814886" cy="0"/>
+            </a:xfrm>
+            <a:prstGeom prst="straightConnector1">
+              <a:avLst/>
+            </a:prstGeom>
+            <a:ln w="38100">
+              <a:tailEnd type="triangle"/>
+            </a:ln>
+          </p:spPr>
+          <p:style>
+            <a:lnRef idx="1">
+              <a:schemeClr val="accent1"/>
+            </a:lnRef>
+            <a:fillRef idx="0">
+              <a:schemeClr val="accent1"/>
+            </a:fillRef>
+            <a:effectRef idx="0">
+              <a:schemeClr val="accent1"/>
+            </a:effectRef>
+            <a:fontRef idx="minor">
+              <a:schemeClr val="tx1"/>
+            </a:fontRef>
+          </p:style>
+        </p:cxnSp>
+        <p:sp>
+          <p:nvSpPr>
+            <p:cNvPr id="31" name="TextBox 30">
+              <a:extLst>
+                <a:ext uri="{FF2B5EF4-FFF2-40B4-BE49-F238E27FC236}">
+                  <a16:creationId xmlns:a16="http://schemas.microsoft.com/office/drawing/2014/main" id="{8AB92B6B-70B9-FD43-9A4F-9A072A354690}"/>
+                </a:ext>
+              </a:extLst>
+            </p:cNvPr>
+            <p:cNvSpPr txBox="1"/>
+            <p:nvPr/>
+          </p:nvSpPr>
+          <p:spPr>
+            <a:xfrm>
+              <a:off x="6501448" y="4204350"/>
+              <a:ext cx="1140056" cy="276999"/>
+            </a:xfrm>
+            <a:prstGeom prst="rect">
+              <a:avLst/>
+            </a:prstGeom>
+            <a:noFill/>
+          </p:spPr>
+          <p:txBody>
+            <a:bodyPr wrap="none" rtlCol="0">
+              <a:spAutoFit/>
+            </a:bodyPr>
+            <a:lstStyle/>
+            <a:p>
+              <a:r>
+                <a:rPr kumimoji="1" lang="en-US" altLang="ko-KR" sz="1200" dirty="0"/>
+                <a:t>API </a:t>
+              </a:r>
+              <a:r>
+                <a:rPr kumimoji="1" lang="ko-KR" altLang="en-US" sz="1200" dirty="0"/>
+                <a:t>성공 응답</a:t>
+              </a:r>
+            </a:p>
+          </p:txBody>
+        </p:sp>
+        <p:sp>
+          <p:nvSpPr>
+            <p:cNvPr id="33" name="TextBox 32">
+              <a:extLst>
+                <a:ext uri="{FF2B5EF4-FFF2-40B4-BE49-F238E27FC236}">
+                  <a16:creationId xmlns:a16="http://schemas.microsoft.com/office/drawing/2014/main" id="{1B195A33-E95A-3C48-8528-53666E7104BB}"/>
+                </a:ext>
+              </a:extLst>
+            </p:cNvPr>
+            <p:cNvSpPr txBox="1"/>
+            <p:nvPr/>
+          </p:nvSpPr>
+          <p:spPr>
+            <a:xfrm>
+              <a:off x="4433651" y="1257239"/>
+              <a:ext cx="1489510" cy="276999"/>
+            </a:xfrm>
+            <a:prstGeom prst="rect">
+              <a:avLst/>
+            </a:prstGeom>
+            <a:noFill/>
+          </p:spPr>
+          <p:txBody>
+            <a:bodyPr wrap="none" rtlCol="0">
+              <a:spAutoFit/>
+            </a:bodyPr>
+            <a:lstStyle/>
+            <a:p>
+              <a:r>
+                <a:rPr kumimoji="1" lang="en-US" altLang="ko-KR" sz="1200" dirty="0">
+                  <a:solidFill>
+                    <a:schemeClr val="accent6">
+                      <a:lumMod val="75000"/>
+                    </a:schemeClr>
+                  </a:solidFill>
+                </a:rPr>
+                <a:t>1.</a:t>
+              </a:r>
+              <a:r>
+                <a:rPr kumimoji="1" lang="ko-KR" altLang="en-US" sz="1200" dirty="0">
+                  <a:solidFill>
+                    <a:schemeClr val="accent6">
+                      <a:lumMod val="75000"/>
+                    </a:schemeClr>
+                  </a:solidFill>
+                </a:rPr>
+                <a:t> 정상적인 로그인</a:t>
+              </a:r>
+            </a:p>
+          </p:txBody>
+        </p:sp>
+        <p:sp>
+          <p:nvSpPr>
+            <p:cNvPr id="35" name="TextBox 34">
+              <a:extLst>
+                <a:ext uri="{FF2B5EF4-FFF2-40B4-BE49-F238E27FC236}">
+                  <a16:creationId xmlns:a16="http://schemas.microsoft.com/office/drawing/2014/main" id="{EF7287ED-FB1B-CA47-AA2D-32F16AECF2AC}"/>
+                </a:ext>
+              </a:extLst>
+            </p:cNvPr>
+            <p:cNvSpPr txBox="1"/>
+            <p:nvPr/>
+          </p:nvSpPr>
+          <p:spPr>
+            <a:xfrm>
+              <a:off x="4253250" y="2577424"/>
+              <a:ext cx="1906291" cy="276999"/>
+            </a:xfrm>
+            <a:prstGeom prst="rect">
+              <a:avLst/>
+            </a:prstGeom>
+            <a:noFill/>
+          </p:spPr>
+          <p:txBody>
+            <a:bodyPr wrap="none" rtlCol="0">
+              <a:spAutoFit/>
+            </a:bodyPr>
+            <a:lstStyle/>
+            <a:p>
+              <a:r>
+                <a:rPr kumimoji="1" lang="en-US" altLang="ko-KR" sz="1200" dirty="0">
+                  <a:solidFill>
+                    <a:schemeClr val="accent4">
+                      <a:lumMod val="75000"/>
+                    </a:schemeClr>
+                  </a:solidFill>
+                </a:rPr>
+                <a:t>2.</a:t>
+              </a:r>
+              <a:r>
+                <a:rPr kumimoji="1" lang="ko-KR" altLang="en-US" sz="1200" dirty="0">
+                  <a:solidFill>
+                    <a:schemeClr val="accent4">
+                      <a:lumMod val="75000"/>
+                    </a:schemeClr>
+                  </a:solidFill>
+                </a:rPr>
+                <a:t> 피싱 페이지 접속 유도</a:t>
+              </a:r>
+            </a:p>
+          </p:txBody>
+        </p:sp>
+        <p:sp>
+          <p:nvSpPr>
+            <p:cNvPr id="37" name="TextBox 36">
+              <a:extLst>
+                <a:ext uri="{FF2B5EF4-FFF2-40B4-BE49-F238E27FC236}">
+                  <a16:creationId xmlns:a16="http://schemas.microsoft.com/office/drawing/2014/main" id="{7A81A049-9FBA-5347-9FD3-B12EE369343C}"/>
+                </a:ext>
+              </a:extLst>
+            </p:cNvPr>
+            <p:cNvSpPr txBox="1"/>
+            <p:nvPr/>
+          </p:nvSpPr>
+          <p:spPr>
+            <a:xfrm>
+              <a:off x="6166027" y="3440044"/>
+              <a:ext cx="1776448" cy="276999"/>
+            </a:xfrm>
+            <a:prstGeom prst="rect">
+              <a:avLst/>
+            </a:prstGeom>
+            <a:noFill/>
+          </p:spPr>
+          <p:txBody>
+            <a:bodyPr wrap="none" rtlCol="0">
+              <a:spAutoFit/>
+            </a:bodyPr>
+            <a:lstStyle/>
+            <a:p>
+              <a:r>
+                <a:rPr kumimoji="1" lang="en-US" altLang="ko-KR" sz="1200" dirty="0">
+                  <a:solidFill>
+                    <a:schemeClr val="accent2">
+                      <a:lumMod val="75000"/>
+                    </a:schemeClr>
+                  </a:solidFill>
+                </a:rPr>
+                <a:t>3,</a:t>
+              </a:r>
+              <a:r>
+                <a:rPr kumimoji="1" lang="ko-KR" altLang="en-US" sz="1200" dirty="0">
+                  <a:solidFill>
+                    <a:schemeClr val="accent2">
+                      <a:lumMod val="75000"/>
+                    </a:schemeClr>
+                  </a:solidFill>
+                </a:rPr>
+                <a:t> </a:t>
+              </a:r>
+              <a:r>
+                <a:rPr kumimoji="1" lang="en-US" altLang="ko-KR" sz="1200" dirty="0">
+                  <a:solidFill>
+                    <a:schemeClr val="accent2">
+                      <a:lumMod val="75000"/>
+                    </a:schemeClr>
+                  </a:solidFill>
+                </a:rPr>
+                <a:t>4,</a:t>
+              </a:r>
+              <a:r>
+                <a:rPr kumimoji="1" lang="ko-KR" altLang="en-US" sz="1200" dirty="0">
+                  <a:solidFill>
+                    <a:schemeClr val="accent2">
+                      <a:lumMod val="75000"/>
+                    </a:schemeClr>
+                  </a:solidFill>
+                </a:rPr>
+                <a:t> </a:t>
+              </a:r>
+              <a:r>
+                <a:rPr kumimoji="1" lang="en-US" altLang="ko-KR" sz="1200" dirty="0">
+                  <a:solidFill>
+                    <a:schemeClr val="accent2">
+                      <a:lumMod val="75000"/>
+                    </a:schemeClr>
+                  </a:solidFill>
+                </a:rPr>
+                <a:t>5.</a:t>
+              </a:r>
+              <a:r>
+                <a:rPr kumimoji="1" lang="ko-KR" altLang="en-US" sz="1200" dirty="0">
+                  <a:solidFill>
+                    <a:schemeClr val="accent2">
+                      <a:lumMod val="75000"/>
+                    </a:schemeClr>
+                  </a:solidFill>
+                </a:rPr>
+                <a:t> </a:t>
+              </a:r>
+              <a:r>
+                <a:rPr kumimoji="1" lang="en-US" altLang="ko-KR" sz="1200" dirty="0">
+                  <a:solidFill>
+                    <a:schemeClr val="accent2">
+                      <a:lumMod val="75000"/>
+                    </a:schemeClr>
+                  </a:solidFill>
+                </a:rPr>
+                <a:t>XSRF </a:t>
+              </a:r>
+              <a:r>
+                <a:rPr kumimoji="1" lang="ko-KR" altLang="en-US" sz="1200" dirty="0">
+                  <a:solidFill>
+                    <a:schemeClr val="accent2">
+                      <a:lumMod val="75000"/>
+                    </a:schemeClr>
+                  </a:solidFill>
+                </a:rPr>
+                <a:t>공격 성공</a:t>
+              </a:r>
+            </a:p>
+          </p:txBody>
+        </p:sp>
+      </p:grpSp>
     </p:spTree>
     <p:extLst>
       <p:ext uri="{BB962C8B-B14F-4D97-AF65-F5344CB8AC3E}">
-        <p14:creationId xmlns:p14="http://schemas.microsoft.com/office/powerpoint/2010/main" val="1700260753"/>
+        <p14:creationId xmlns:p14="http://schemas.microsoft.com/office/powerpoint/2010/main" val="1704229415"/>
       </p:ext>
     </p:extLst>
   </p:cSld>

--- a/assets/img/posts/etc/xss_xsrf.pptx
+++ b/assets/img/posts/etc/xss_xsrf.pptx
@@ -3628,8 +3628,8 @@
           </p:nvSpPr>
           <p:spPr>
             <a:xfrm>
-              <a:off x="5442088" y="971968"/>
-              <a:ext cx="1348446" cy="307777"/>
+              <a:off x="5415193" y="971968"/>
+              <a:ext cx="1386918" cy="307777"/>
             </a:xfrm>
             <a:prstGeom prst="rect">
               <a:avLst/>
@@ -3643,8 +3643,8 @@
             <a:lstStyle/>
             <a:p>
               <a:r>
-                <a:rPr kumimoji="1" lang="en-US" altLang="ko-KR" sz="1400" dirty="0" err="1"/>
-                <a:t>Geocities</a:t>
+                <a:rPr kumimoji="1" lang="ko-KR" altLang="en-US" sz="1400" dirty="0"/>
+                <a:t>공격 타겟</a:t>
               </a:r>
               <a:r>
                 <a:rPr kumimoji="1" lang="en-US" altLang="ko-KR" sz="1400" dirty="0"/>
